--- a/doc/あ.pptx
+++ b/doc/あ.pptx
@@ -288,6 +288,7 @@
           <a:p>
             <a:fld id="{6B2ED816-C8CC-42E0-8DA6-DADC5BD88B3E}" type="datetimeFigureOut">
               <a:rPr kumimoji="1" lang="ja-JP" altLang="en-US" smtClean="0"/>
+              <a:pPr/>
               <a:t>2013/2/7</a:t>
             </a:fld>
             <a:endParaRPr kumimoji="1" lang="ja-JP" altLang="en-US"/>
@@ -330,6 +331,7 @@
           <a:p>
             <a:fld id="{3A1D76EE-9DE6-4901-9196-EE78347175E7}" type="slidenum">
               <a:rPr kumimoji="1" lang="ja-JP" altLang="en-US" smtClean="0"/>
+              <a:pPr/>
               <a:t>&lt;#&gt;</a:t>
             </a:fld>
             <a:endParaRPr kumimoji="1" lang="ja-JP" altLang="en-US"/>
@@ -485,6 +487,7 @@
           <a:p>
             <a:fld id="{6B2ED816-C8CC-42E0-8DA6-DADC5BD88B3E}" type="datetimeFigureOut">
               <a:rPr kumimoji="1" lang="ja-JP" altLang="en-US" smtClean="0"/>
+              <a:pPr/>
               <a:t>2013/2/7</a:t>
             </a:fld>
             <a:endParaRPr kumimoji="1" lang="ja-JP" altLang="en-US"/>
@@ -527,6 +530,7 @@
           <a:p>
             <a:fld id="{3A1D76EE-9DE6-4901-9196-EE78347175E7}" type="slidenum">
               <a:rPr kumimoji="1" lang="ja-JP" altLang="en-US" smtClean="0"/>
+              <a:pPr/>
               <a:t>&lt;#&gt;</a:t>
             </a:fld>
             <a:endParaRPr kumimoji="1" lang="ja-JP" altLang="en-US"/>
@@ -692,6 +696,7 @@
           <a:p>
             <a:fld id="{6B2ED816-C8CC-42E0-8DA6-DADC5BD88B3E}" type="datetimeFigureOut">
               <a:rPr kumimoji="1" lang="ja-JP" altLang="en-US" smtClean="0"/>
+              <a:pPr/>
               <a:t>2013/2/7</a:t>
             </a:fld>
             <a:endParaRPr kumimoji="1" lang="ja-JP" altLang="en-US"/>
@@ -734,6 +739,7 @@
           <a:p>
             <a:fld id="{3A1D76EE-9DE6-4901-9196-EE78347175E7}" type="slidenum">
               <a:rPr kumimoji="1" lang="ja-JP" altLang="en-US" smtClean="0"/>
+              <a:pPr/>
               <a:t>&lt;#&gt;</a:t>
             </a:fld>
             <a:endParaRPr kumimoji="1" lang="ja-JP" altLang="en-US"/>
@@ -889,6 +895,7 @@
           <a:p>
             <a:fld id="{6B2ED816-C8CC-42E0-8DA6-DADC5BD88B3E}" type="datetimeFigureOut">
               <a:rPr kumimoji="1" lang="ja-JP" altLang="en-US" smtClean="0"/>
+              <a:pPr/>
               <a:t>2013/2/7</a:t>
             </a:fld>
             <a:endParaRPr kumimoji="1" lang="ja-JP" altLang="en-US"/>
@@ -931,6 +938,7 @@
           <a:p>
             <a:fld id="{3A1D76EE-9DE6-4901-9196-EE78347175E7}" type="slidenum">
               <a:rPr kumimoji="1" lang="ja-JP" altLang="en-US" smtClean="0"/>
+              <a:pPr/>
               <a:t>&lt;#&gt;</a:t>
             </a:fld>
             <a:endParaRPr kumimoji="1" lang="ja-JP" altLang="en-US"/>
@@ -1130,6 +1138,7 @@
           <a:p>
             <a:fld id="{6B2ED816-C8CC-42E0-8DA6-DADC5BD88B3E}" type="datetimeFigureOut">
               <a:rPr kumimoji="1" lang="ja-JP" altLang="en-US" smtClean="0"/>
+              <a:pPr/>
               <a:t>2013/2/7</a:t>
             </a:fld>
             <a:endParaRPr kumimoji="1" lang="ja-JP" altLang="en-US"/>
@@ -1172,6 +1181,7 @@
           <a:p>
             <a:fld id="{3A1D76EE-9DE6-4901-9196-EE78347175E7}" type="slidenum">
               <a:rPr kumimoji="1" lang="ja-JP" altLang="en-US" smtClean="0"/>
+              <a:pPr/>
               <a:t>&lt;#&gt;</a:t>
             </a:fld>
             <a:endParaRPr kumimoji="1" lang="ja-JP" altLang="en-US"/>
@@ -1477,6 +1487,7 @@
           <a:p>
             <a:fld id="{6B2ED816-C8CC-42E0-8DA6-DADC5BD88B3E}" type="datetimeFigureOut">
               <a:rPr kumimoji="1" lang="ja-JP" altLang="en-US" smtClean="0"/>
+              <a:pPr/>
               <a:t>2013/2/7</a:t>
             </a:fld>
             <a:endParaRPr kumimoji="1" lang="ja-JP" altLang="en-US"/>
@@ -1519,6 +1530,7 @@
           <a:p>
             <a:fld id="{3A1D76EE-9DE6-4901-9196-EE78347175E7}" type="slidenum">
               <a:rPr kumimoji="1" lang="ja-JP" altLang="en-US" smtClean="0"/>
+              <a:pPr/>
               <a:t>&lt;#&gt;</a:t>
             </a:fld>
             <a:endParaRPr kumimoji="1" lang="ja-JP" altLang="en-US"/>
@@ -1958,6 +1970,7 @@
           <a:p>
             <a:fld id="{6B2ED816-C8CC-42E0-8DA6-DADC5BD88B3E}" type="datetimeFigureOut">
               <a:rPr kumimoji="1" lang="ja-JP" altLang="en-US" smtClean="0"/>
+              <a:pPr/>
               <a:t>2013/2/7</a:t>
             </a:fld>
             <a:endParaRPr kumimoji="1" lang="ja-JP" altLang="en-US"/>
@@ -2000,6 +2013,7 @@
           <a:p>
             <a:fld id="{3A1D76EE-9DE6-4901-9196-EE78347175E7}" type="slidenum">
               <a:rPr kumimoji="1" lang="ja-JP" altLang="en-US" smtClean="0"/>
+              <a:pPr/>
               <a:t>&lt;#&gt;</a:t>
             </a:fld>
             <a:endParaRPr kumimoji="1" lang="ja-JP" altLang="en-US"/>
@@ -2071,6 +2085,7 @@
           <a:p>
             <a:fld id="{6B2ED816-C8CC-42E0-8DA6-DADC5BD88B3E}" type="datetimeFigureOut">
               <a:rPr kumimoji="1" lang="ja-JP" altLang="en-US" smtClean="0"/>
+              <a:pPr/>
               <a:t>2013/2/7</a:t>
             </a:fld>
             <a:endParaRPr kumimoji="1" lang="ja-JP" altLang="en-US"/>
@@ -2113,6 +2128,7 @@
           <a:p>
             <a:fld id="{3A1D76EE-9DE6-4901-9196-EE78347175E7}" type="slidenum">
               <a:rPr kumimoji="1" lang="ja-JP" altLang="en-US" smtClean="0"/>
+              <a:pPr/>
               <a:t>&lt;#&gt;</a:t>
             </a:fld>
             <a:endParaRPr kumimoji="1" lang="ja-JP" altLang="en-US"/>
@@ -2161,6 +2177,7 @@
           <a:p>
             <a:fld id="{6B2ED816-C8CC-42E0-8DA6-DADC5BD88B3E}" type="datetimeFigureOut">
               <a:rPr kumimoji="1" lang="ja-JP" altLang="en-US" smtClean="0"/>
+              <a:pPr/>
               <a:t>2013/2/7</a:t>
             </a:fld>
             <a:endParaRPr kumimoji="1" lang="ja-JP" altLang="en-US"/>
@@ -2203,6 +2220,7 @@
           <a:p>
             <a:fld id="{3A1D76EE-9DE6-4901-9196-EE78347175E7}" type="slidenum">
               <a:rPr kumimoji="1" lang="ja-JP" altLang="en-US" smtClean="0"/>
+              <a:pPr/>
               <a:t>&lt;#&gt;</a:t>
             </a:fld>
             <a:endParaRPr kumimoji="1" lang="ja-JP" altLang="en-US"/>
@@ -2465,6 +2483,7 @@
           <a:p>
             <a:fld id="{6B2ED816-C8CC-42E0-8DA6-DADC5BD88B3E}" type="datetimeFigureOut">
               <a:rPr kumimoji="1" lang="ja-JP" altLang="en-US" smtClean="0"/>
+              <a:pPr/>
               <a:t>2013/2/7</a:t>
             </a:fld>
             <a:endParaRPr kumimoji="1" lang="ja-JP" altLang="en-US"/>
@@ -2507,6 +2526,7 @@
           <a:p>
             <a:fld id="{3A1D76EE-9DE6-4901-9196-EE78347175E7}" type="slidenum">
               <a:rPr kumimoji="1" lang="ja-JP" altLang="en-US" smtClean="0"/>
+              <a:pPr/>
               <a:t>&lt;#&gt;</a:t>
             </a:fld>
             <a:endParaRPr kumimoji="1" lang="ja-JP" altLang="en-US"/>
@@ -2713,6 +2733,7 @@
           <a:p>
             <a:fld id="{6B2ED816-C8CC-42E0-8DA6-DADC5BD88B3E}" type="datetimeFigureOut">
               <a:rPr kumimoji="1" lang="ja-JP" altLang="en-US" smtClean="0"/>
+              <a:pPr/>
               <a:t>2013/2/7</a:t>
             </a:fld>
             <a:endParaRPr kumimoji="1" lang="ja-JP" altLang="en-US"/>
@@ -2755,6 +2776,7 @@
           <a:p>
             <a:fld id="{3A1D76EE-9DE6-4901-9196-EE78347175E7}" type="slidenum">
               <a:rPr kumimoji="1" lang="ja-JP" altLang="en-US" smtClean="0"/>
+              <a:pPr/>
               <a:t>&lt;#&gt;</a:t>
             </a:fld>
             <a:endParaRPr kumimoji="1" lang="ja-JP" altLang="en-US"/>
@@ -2953,6 +2975,7 @@
           <a:p>
             <a:fld id="{6B2ED816-C8CC-42E0-8DA6-DADC5BD88B3E}" type="datetimeFigureOut">
               <a:rPr kumimoji="1" lang="ja-JP" altLang="en-US" smtClean="0"/>
+              <a:pPr/>
               <a:t>2013/2/7</a:t>
             </a:fld>
             <a:endParaRPr kumimoji="1" lang="ja-JP" altLang="en-US"/>
@@ -3031,6 +3054,7 @@
           <a:p>
             <a:fld id="{3A1D76EE-9DE6-4901-9196-EE78347175E7}" type="slidenum">
               <a:rPr kumimoji="1" lang="ja-JP" altLang="en-US" smtClean="0"/>
+              <a:pPr/>
               <a:t>&lt;#&gt;</a:t>
             </a:fld>
             <a:endParaRPr kumimoji="1" lang="ja-JP" altLang="en-US"/>
@@ -3361,7 +3385,11 @@
           <a:bodyPr/>
           <a:lstStyle/>
           <a:p>
-            <a:endParaRPr kumimoji="1" lang="ja-JP" altLang="en-US"/>
+            <a:r>
+              <a:rPr kumimoji="1" lang="ja-JP" altLang="en-US" dirty="0" smtClean="0"/>
+              <a:t>い</a:t>
+            </a:r>
+            <a:endParaRPr kumimoji="1" lang="ja-JP" altLang="en-US" dirty="0"/>
           </a:p>
         </p:txBody>
       </p:sp>
